--- a/Tableau JSAPI - 02 Tutorial Walkthrough.pptx
+++ b/Tableau JSAPI - 02 Tutorial Walkthrough.pptx
@@ -227,7 +227,7 @@
           <a:p>
             <a:fld id="{F06599F2-9818-4545-AFCB-68953993543F}" type="datetimeFigureOut">
               <a:rPr lang="en-US" smtClean="0"/>
-              <a:t>1/26/16</a:t>
+              <a:t>1/27/16</a:t>
             </a:fld>
             <a:endParaRPr lang="en-US"/>
           </a:p>
@@ -3357,11 +3357,7 @@
           <a:p>
             <a:r>
               <a:rPr lang="en-US" dirty="0" smtClean="0"/>
-              <a:t>JavaScript </a:t>
-            </a:r>
-            <a:r>
-              <a:rPr lang="en-US" dirty="0" smtClean="0"/>
-              <a:t>API</a:t>
+              <a:t>JavaScript API</a:t>
             </a:r>
             <a:br>
               <a:rPr lang="en-US" dirty="0" smtClean="0"/>
@@ -4506,11 +4502,6 @@
               </a:rPr>
               <a:t>Be able to use Toolbar commands to export to PDF and CSV</a:t>
             </a:r>
-            <a:endParaRPr lang="en-US" sz="3200" dirty="0" smtClean="0">
-              <a:latin typeface="Gill Sans MT" charset="0"/>
-              <a:ea typeface="Gill Sans MT" charset="0"/>
-              <a:cs typeface="Gill Sans MT" charset="0"/>
-            </a:endParaRPr>
           </a:p>
           <a:p>
             <a:r>
@@ -5110,8 +5101,8 @@
         </p:blipFill>
         <p:spPr>
           <a:xfrm>
-            <a:off x="4561243" y="2056911"/>
-            <a:ext cx="7358529" cy="4296319"/>
+            <a:off x="5548983" y="2022763"/>
+            <a:ext cx="6557673" cy="4720611"/>
           </a:xfrm>
           <a:prstGeom prst="rect">
             <a:avLst/>

--- a/Tableau JSAPI - 02 Tutorial Walkthrough.pptx
+++ b/Tableau JSAPI - 02 Tutorial Walkthrough.pptx
@@ -4113,131 +4113,14 @@
                             </p:stCondLst>
                             <p:childTnLst>
                               <p:par>
-                                <p:cTn id="5" presetID="1" presetClass="entr" presetSubtype="0" fill="hold" nodeType="clickEffect">
-                                  <p:stCondLst>
-                                    <p:cond delay="0"/>
-                                  </p:stCondLst>
-                                  <p:childTnLst>
-                                    <p:set>
-                                      <p:cBhvr>
-                                        <p:cTn id="6" dur="1" fill="hold">
-                                          <p:stCondLst>
-                                            <p:cond delay="0"/>
-                                          </p:stCondLst>
-                                        </p:cTn>
-                                        <p:tgtEl>
-                                          <p:spTgt spid="20"/>
-                                        </p:tgtEl>
-                                        <p:attrNameLst>
-                                          <p:attrName>style.visibility</p:attrName>
-                                        </p:attrNameLst>
-                                      </p:cBhvr>
-                                      <p:to>
-                                        <p:strVal val="visible"/>
-                                      </p:to>
-                                    </p:set>
-                                  </p:childTnLst>
-                                </p:cTn>
-                              </p:par>
-                            </p:childTnLst>
-                          </p:cTn>
-                        </p:par>
-                      </p:childTnLst>
-                    </p:cTn>
-                  </p:par>
-                  <p:par>
-                    <p:cTn id="7" fill="hold">
-                      <p:stCondLst>
-                        <p:cond delay="indefinite"/>
-                      </p:stCondLst>
-                      <p:childTnLst>
-                        <p:par>
-                          <p:cTn id="8" fill="hold">
-                            <p:stCondLst>
-                              <p:cond delay="0"/>
-                            </p:stCondLst>
-                            <p:childTnLst>
-                              <p:par>
-                                <p:cTn id="9" presetID="1" presetClass="entr" presetSubtype="0" fill="hold" nodeType="clickEffect">
-                                  <p:stCondLst>
-                                    <p:cond delay="0"/>
-                                  </p:stCondLst>
-                                  <p:childTnLst>
-                                    <p:set>
-                                      <p:cBhvr>
-                                        <p:cTn id="10" dur="1" fill="hold">
-                                          <p:stCondLst>
-                                            <p:cond delay="0"/>
-                                          </p:stCondLst>
-                                        </p:cTn>
-                                        <p:tgtEl>
-                                          <p:spTgt spid="21"/>
-                                        </p:tgtEl>
-                                        <p:attrNameLst>
-                                          <p:attrName>style.visibility</p:attrName>
-                                        </p:attrNameLst>
-                                      </p:cBhvr>
-                                      <p:to>
-                                        <p:strVal val="visible"/>
-                                      </p:to>
-                                    </p:set>
-                                  </p:childTnLst>
-                                </p:cTn>
-                              </p:par>
-                              <p:par>
-                                <p:cTn id="11" presetID="1" presetClass="entr" presetSubtype="0" fill="hold" nodeType="withEffect">
-                                  <p:stCondLst>
-                                    <p:cond delay="0"/>
-                                  </p:stCondLst>
-                                  <p:childTnLst>
-                                    <p:set>
-                                      <p:cBhvr>
-                                        <p:cTn id="12" dur="1" fill="hold">
-                                          <p:stCondLst>
-                                            <p:cond delay="0"/>
-                                          </p:stCondLst>
-                                        </p:cTn>
-                                        <p:tgtEl>
-                                          <p:spTgt spid="22"/>
-                                        </p:tgtEl>
-                                        <p:attrNameLst>
-                                          <p:attrName>style.visibility</p:attrName>
-                                        </p:attrNameLst>
-                                      </p:cBhvr>
-                                      <p:to>
-                                        <p:strVal val="visible"/>
-                                      </p:to>
-                                    </p:set>
-                                  </p:childTnLst>
-                                </p:cTn>
-                              </p:par>
-                            </p:childTnLst>
-                          </p:cTn>
-                        </p:par>
-                      </p:childTnLst>
-                    </p:cTn>
-                  </p:par>
-                  <p:par>
-                    <p:cTn id="13" fill="hold">
-                      <p:stCondLst>
-                        <p:cond delay="indefinite"/>
-                      </p:stCondLst>
-                      <p:childTnLst>
-                        <p:par>
-                          <p:cTn id="14" fill="hold">
-                            <p:stCondLst>
-                              <p:cond delay="0"/>
-                            </p:stCondLst>
-                            <p:childTnLst>
-                              <p:par>
-                                <p:cTn id="15" presetID="9" presetClass="emph" presetSubtype="0" nodeType="clickEffect">
+                                <p:cTn id="5" presetID="9" presetClass="emph" presetSubtype="0" nodeType="clickEffect">
                                   <p:stCondLst>
                                     <p:cond delay="0"/>
                                   </p:stCondLst>
                                   <p:childTnLst>
                                     <p:set>
                                       <p:cBhvr rctx="PPT">
-                                        <p:cTn id="16" dur="indefinite"/>
+                                        <p:cTn id="6" dur="indefinite"/>
                                         <p:tgtEl>
                                           <p:spTgt spid="19"/>
                                         </p:tgtEl>
@@ -4251,7 +4134,7 @@
                                     </p:set>
                                     <p:animEffect filter="image" prLst="opacity: 0.25">
                                       <p:cBhvr rctx="IE">
-                                        <p:cTn id="17" dur="indefinite"/>
+                                        <p:cTn id="7" dur="indefinite"/>
                                         <p:tgtEl>
                                           <p:spTgt spid="19"/>
                                         </p:tgtEl>
@@ -4261,14 +4144,14 @@
                                 </p:cTn>
                               </p:par>
                               <p:par>
-                                <p:cTn id="18" presetID="9" presetClass="emph" presetSubtype="0" nodeType="withEffect">
+                                <p:cTn id="8" presetID="9" presetClass="emph" presetSubtype="0" nodeType="withEffect">
                                   <p:stCondLst>
                                     <p:cond delay="0"/>
                                   </p:stCondLst>
                                   <p:childTnLst>
                                     <p:set>
                                       <p:cBhvr rctx="PPT">
-                                        <p:cTn id="19" dur="indefinite"/>
+                                        <p:cTn id="9" dur="indefinite"/>
                                         <p:tgtEl>
                                           <p:spTgt spid="22"/>
                                         </p:tgtEl>
@@ -4282,7 +4165,7 @@
                                     </p:set>
                                     <p:animEffect filter="image" prLst="opacity: 0.25">
                                       <p:cBhvr rctx="IE">
-                                        <p:cTn id="20" dur="indefinite"/>
+                                        <p:cTn id="10" dur="indefinite"/>
                                         <p:tgtEl>
                                           <p:spTgt spid="22"/>
                                         </p:tgtEl>
@@ -4292,14 +4175,14 @@
                                 </p:cTn>
                               </p:par>
                               <p:par>
-                                <p:cTn id="21" presetID="9" presetClass="emph" presetSubtype="0" nodeType="withEffect">
+                                <p:cTn id="11" presetID="9" presetClass="emph" presetSubtype="0" nodeType="withEffect">
                                   <p:stCondLst>
                                     <p:cond delay="0"/>
                                   </p:stCondLst>
                                   <p:childTnLst>
                                     <p:set>
                                       <p:cBhvr rctx="PPT">
-                                        <p:cTn id="22" dur="indefinite"/>
+                                        <p:cTn id="12" dur="indefinite"/>
                                         <p:tgtEl>
                                           <p:spTgt spid="21"/>
                                         </p:tgtEl>
@@ -4313,7 +4196,7 @@
                                     </p:set>
                                     <p:animEffect filter="image" prLst="opacity: 0.25">
                                       <p:cBhvr rctx="IE">
-                                        <p:cTn id="23" dur="indefinite"/>
+                                        <p:cTn id="13" dur="indefinite"/>
                                         <p:tgtEl>
                                           <p:spTgt spid="21"/>
                                         </p:tgtEl>
@@ -4322,15 +4205,33 @@
                                   </p:childTnLst>
                                 </p:cTn>
                               </p:par>
+                            </p:childTnLst>
+                          </p:cTn>
+                        </p:par>
+                      </p:childTnLst>
+                    </p:cTn>
+                  </p:par>
+                  <p:par>
+                    <p:cTn id="14" fill="hold">
+                      <p:stCondLst>
+                        <p:cond delay="indefinite"/>
+                      </p:stCondLst>
+                      <p:childTnLst>
+                        <p:par>
+                          <p:cTn id="15" fill="hold">
+                            <p:stCondLst>
+                              <p:cond delay="0"/>
+                            </p:stCondLst>
+                            <p:childTnLst>
                               <p:par>
-                                <p:cTn id="24" presetID="9" presetClass="entr" presetSubtype="0" fill="hold" grpId="0" nodeType="withEffect">
+                                <p:cTn id="16" presetID="9" presetClass="entr" presetSubtype="0" fill="hold" grpId="0" nodeType="clickEffect">
                                   <p:stCondLst>
                                     <p:cond delay="0"/>
                                   </p:stCondLst>
                                   <p:childTnLst>
                                     <p:set>
                                       <p:cBhvr>
-                                        <p:cTn id="25" dur="1" fill="hold">
+                                        <p:cTn id="17" dur="1" fill="hold">
                                           <p:stCondLst>
                                             <p:cond delay="0"/>
                                           </p:stCondLst>
@@ -4348,7 +4249,7 @@
                                     </p:set>
                                     <p:animEffect transition="in" filter="dissolve">
                                       <p:cBhvr>
-                                        <p:cTn id="26" dur="500"/>
+                                        <p:cTn id="18" dur="500"/>
                                         <p:tgtEl>
                                           <p:spTgt spid="33"/>
                                         </p:tgtEl>
